--- a/BollyBuff.pptx
+++ b/BollyBuff.pptx
@@ -14,7 +14,12 @@
     <p:sldId id="262" r:id="rId8"/>
     <p:sldId id="265" r:id="rId9"/>
     <p:sldId id="263" r:id="rId10"/>
-    <p:sldId id="264" r:id="rId11"/>
+    <p:sldId id="270" r:id="rId11"/>
+    <p:sldId id="266" r:id="rId12"/>
+    <p:sldId id="267" r:id="rId13"/>
+    <p:sldId id="269" r:id="rId14"/>
+    <p:sldId id="268" r:id="rId15"/>
+    <p:sldId id="264" r:id="rId16"/>
   </p:sldIdLst>
   <p:sldSz cx="12192000" cy="6858000"/>
   <p:notesSz cx="6858000" cy="9144000"/>
@@ -247,7 +252,7 @@
           <a:p>
             <a:fld id="{912502CF-0E2E-46AB-94DA-B894EAA02AAB}" type="datetimeFigureOut">
               <a:rPr lang="en-US" smtClean="0"/>
-              <a:t>10/2/2018</a:t>
+              <a:t>10/7/2018</a:t>
             </a:fld>
             <a:endParaRPr lang="en-US"/>
           </a:p>
@@ -417,7 +422,7 @@
           <a:p>
             <a:fld id="{912502CF-0E2E-46AB-94DA-B894EAA02AAB}" type="datetimeFigureOut">
               <a:rPr lang="en-US" smtClean="0"/>
-              <a:t>10/2/2018</a:t>
+              <a:t>10/7/2018</a:t>
             </a:fld>
             <a:endParaRPr lang="en-US"/>
           </a:p>
@@ -597,7 +602,7 @@
           <a:p>
             <a:fld id="{912502CF-0E2E-46AB-94DA-B894EAA02AAB}" type="datetimeFigureOut">
               <a:rPr lang="en-US" smtClean="0"/>
-              <a:t>10/2/2018</a:t>
+              <a:t>10/7/2018</a:t>
             </a:fld>
             <a:endParaRPr lang="en-US"/>
           </a:p>
@@ -767,7 +772,7 @@
           <a:p>
             <a:fld id="{912502CF-0E2E-46AB-94DA-B894EAA02AAB}" type="datetimeFigureOut">
               <a:rPr lang="en-US" smtClean="0"/>
-              <a:t>10/2/2018</a:t>
+              <a:t>10/7/2018</a:t>
             </a:fld>
             <a:endParaRPr lang="en-US"/>
           </a:p>
@@ -1013,7 +1018,7 @@
           <a:p>
             <a:fld id="{912502CF-0E2E-46AB-94DA-B894EAA02AAB}" type="datetimeFigureOut">
               <a:rPr lang="en-US" smtClean="0"/>
-              <a:t>10/2/2018</a:t>
+              <a:t>10/7/2018</a:t>
             </a:fld>
             <a:endParaRPr lang="en-US"/>
           </a:p>
@@ -1245,7 +1250,7 @@
           <a:p>
             <a:fld id="{912502CF-0E2E-46AB-94DA-B894EAA02AAB}" type="datetimeFigureOut">
               <a:rPr lang="en-US" smtClean="0"/>
-              <a:t>10/2/2018</a:t>
+              <a:t>10/7/2018</a:t>
             </a:fld>
             <a:endParaRPr lang="en-US"/>
           </a:p>
@@ -1612,7 +1617,7 @@
           <a:p>
             <a:fld id="{912502CF-0E2E-46AB-94DA-B894EAA02AAB}" type="datetimeFigureOut">
               <a:rPr lang="en-US" smtClean="0"/>
-              <a:t>10/2/2018</a:t>
+              <a:t>10/7/2018</a:t>
             </a:fld>
             <a:endParaRPr lang="en-US"/>
           </a:p>
@@ -1730,7 +1735,7 @@
           <a:p>
             <a:fld id="{912502CF-0E2E-46AB-94DA-B894EAA02AAB}" type="datetimeFigureOut">
               <a:rPr lang="en-US" smtClean="0"/>
-              <a:t>10/2/2018</a:t>
+              <a:t>10/7/2018</a:t>
             </a:fld>
             <a:endParaRPr lang="en-US"/>
           </a:p>
@@ -1825,7 +1830,7 @@
           <a:p>
             <a:fld id="{912502CF-0E2E-46AB-94DA-B894EAA02AAB}" type="datetimeFigureOut">
               <a:rPr lang="en-US" smtClean="0"/>
-              <a:t>10/2/2018</a:t>
+              <a:t>10/7/2018</a:t>
             </a:fld>
             <a:endParaRPr lang="en-US"/>
           </a:p>
@@ -2102,7 +2107,7 @@
           <a:p>
             <a:fld id="{912502CF-0E2E-46AB-94DA-B894EAA02AAB}" type="datetimeFigureOut">
               <a:rPr lang="en-US" smtClean="0"/>
-              <a:t>10/2/2018</a:t>
+              <a:t>10/7/2018</a:t>
             </a:fld>
             <a:endParaRPr lang="en-US"/>
           </a:p>
@@ -2355,7 +2360,7 @@
           <a:p>
             <a:fld id="{912502CF-0E2E-46AB-94DA-B894EAA02AAB}" type="datetimeFigureOut">
               <a:rPr lang="en-US" smtClean="0"/>
-              <a:t>10/2/2018</a:t>
+              <a:t>10/7/2018</a:t>
             </a:fld>
             <a:endParaRPr lang="en-US"/>
           </a:p>
@@ -2568,7 +2573,7 @@
           <a:p>
             <a:fld id="{912502CF-0E2E-46AB-94DA-B894EAA02AAB}" type="datetimeFigureOut">
               <a:rPr lang="en-US" smtClean="0"/>
-              <a:t>10/2/2018</a:t>
+              <a:t>10/7/2018</a:t>
             </a:fld>
             <a:endParaRPr lang="en-US"/>
           </a:p>
@@ -3134,6 +3139,1049 @@
             <p:ph type="title"/>
           </p:nvPr>
         </p:nvSpPr>
+        <p:spPr/>
+        <p:txBody>
+          <a:bodyPr/>
+          <a:lstStyle/>
+          <a:p>
+            <a:r>
+              <a:rPr lang="en-US" dirty="0" smtClean="0"/>
+              <a:t>UI</a:t>
+            </a:r>
+            <a:endParaRPr lang="en-US" dirty="0"/>
+          </a:p>
+        </p:txBody>
+      </p:sp>
+      <p:sp>
+        <p:nvSpPr>
+          <p:cNvPr id="3" name="Content Placeholder 2"/>
+          <p:cNvSpPr>
+            <a:spLocks noGrp="1"/>
+          </p:cNvSpPr>
+          <p:nvPr>
+            <p:ph idx="1"/>
+          </p:nvPr>
+        </p:nvSpPr>
+        <p:spPr/>
+        <p:txBody>
+          <a:bodyPr/>
+          <a:lstStyle/>
+          <a:p>
+            <a:r>
+              <a:rPr lang="en-US" dirty="0" smtClean="0"/>
+              <a:t>The UI is built using Python flask based framework as backend</a:t>
+            </a:r>
+          </a:p>
+          <a:p>
+            <a:r>
+              <a:rPr lang="en-US" dirty="0" smtClean="0"/>
+              <a:t>The templates are made using html, </a:t>
+            </a:r>
+            <a:r>
+              <a:rPr lang="en-US" dirty="0" err="1" smtClean="0"/>
+              <a:t>css</a:t>
+            </a:r>
+            <a:r>
+              <a:rPr lang="en-US" dirty="0" smtClean="0"/>
+              <a:t>, </a:t>
+            </a:r>
+            <a:r>
+              <a:rPr lang="en-US" dirty="0" err="1" smtClean="0"/>
+              <a:t>javascript</a:t>
+            </a:r>
+            <a:r>
+              <a:rPr lang="en-US" dirty="0" smtClean="0"/>
+              <a:t> and </a:t>
+            </a:r>
+            <a:r>
+              <a:rPr lang="en-US" dirty="0" err="1" smtClean="0"/>
+              <a:t>jquery</a:t>
+            </a:r>
+            <a:endParaRPr lang="en-US" dirty="0" smtClean="0"/>
+          </a:p>
+          <a:p>
+            <a:r>
+              <a:rPr lang="en-US" dirty="0" smtClean="0"/>
+              <a:t>The datasets are in the form of text, </a:t>
+            </a:r>
+            <a:r>
+              <a:rPr lang="en-US" dirty="0" err="1" smtClean="0"/>
+              <a:t>csv</a:t>
+            </a:r>
+            <a:r>
+              <a:rPr lang="en-US" dirty="0" smtClean="0"/>
+              <a:t> or images.</a:t>
+            </a:r>
+          </a:p>
+          <a:p>
+            <a:r>
+              <a:rPr lang="en-US" dirty="0" smtClean="0"/>
+              <a:t>Multiple different tabs are created to represent each component  including trends, climax, genre and </a:t>
+            </a:r>
+            <a:r>
+              <a:rPr lang="en-US" smtClean="0"/>
+              <a:t>character analysis.</a:t>
+            </a:r>
+            <a:endParaRPr lang="en-US" dirty="0"/>
+          </a:p>
+        </p:txBody>
+      </p:sp>
+    </p:spTree>
+    <p:extLst>
+      <p:ext uri="{BB962C8B-B14F-4D97-AF65-F5344CB8AC3E}">
+        <p14:creationId xmlns:p14="http://schemas.microsoft.com/office/powerpoint/2010/main" val="1940474958"/>
+      </p:ext>
+    </p:extLst>
+  </p:cSld>
+  <p:clrMapOvr>
+    <a:masterClrMapping/>
+  </p:clrMapOvr>
+</p:sld>
+</file>
+
+<file path=ppt/slides/slide11.xml><?xml version="1.0" encoding="utf-8"?>
+<p:sld xmlns:a="http://schemas.openxmlformats.org/drawingml/2006/main" xmlns:r="http://schemas.openxmlformats.org/officeDocument/2006/relationships" xmlns:p="http://schemas.openxmlformats.org/presentationml/2006/main">
+  <p:cSld>
+    <p:spTree>
+      <p:nvGrpSpPr>
+        <p:cNvPr id="1" name=""/>
+        <p:cNvGrpSpPr/>
+        <p:nvPr/>
+      </p:nvGrpSpPr>
+      <p:grpSpPr>
+        <a:xfrm>
+          <a:off x="0" y="0"/>
+          <a:ext cx="0" cy="0"/>
+          <a:chOff x="0" y="0"/>
+          <a:chExt cx="0" cy="0"/>
+        </a:xfrm>
+      </p:grpSpPr>
+      <p:sp>
+        <p:nvSpPr>
+          <p:cNvPr id="2" name="Title 1"/>
+          <p:cNvSpPr>
+            <a:spLocks noGrp="1"/>
+          </p:cNvSpPr>
+          <p:nvPr>
+            <p:ph type="title"/>
+          </p:nvPr>
+        </p:nvSpPr>
+        <p:spPr/>
+        <p:txBody>
+          <a:bodyPr/>
+          <a:lstStyle/>
+          <a:p>
+            <a:r>
+              <a:rPr lang="en-US" dirty="0" smtClean="0"/>
+              <a:t>UI Screenshots - Trends</a:t>
+            </a:r>
+            <a:endParaRPr lang="en-US" dirty="0"/>
+          </a:p>
+        </p:txBody>
+      </p:sp>
+      <p:pic>
+        <p:nvPicPr>
+          <p:cNvPr id="1027" name="Picture 3"/>
+          <p:cNvPicPr>
+            <a:picLocks noChangeAspect="1" noChangeArrowheads="1"/>
+          </p:cNvPicPr>
+          <p:nvPr/>
+        </p:nvPicPr>
+        <p:blipFill>
+          <a:blip r:embed="rId2" cstate="print">
+            <a:extLst>
+              <a:ext uri="{28A0092B-C50C-407E-A947-70E740481C1C}">
+                <a14:useLocalDpi xmlns:a14="http://schemas.microsoft.com/office/drawing/2010/main" val="0"/>
+              </a:ext>
+            </a:extLst>
+          </a:blip>
+          <a:srcRect/>
+          <a:stretch>
+            <a:fillRect/>
+          </a:stretch>
+        </p:blipFill>
+        <p:spPr bwMode="auto">
+          <a:xfrm>
+            <a:off x="320652" y="1481176"/>
+            <a:ext cx="5037091" cy="2449468"/>
+          </a:xfrm>
+          <a:prstGeom prst="rect">
+            <a:avLst/>
+          </a:prstGeom>
+          <a:noFill/>
+          <a:ln>
+            <a:noFill/>
+          </a:ln>
+          <a:effectLst/>
+          <a:extLst>
+            <a:ext uri="{909E8E84-426E-40DD-AFC4-6F175D3DCCD1}">
+              <a14:hiddenFill xmlns:a14="http://schemas.microsoft.com/office/drawing/2010/main">
+                <a:solidFill>
+                  <a:schemeClr val="accent1"/>
+                </a:solidFill>
+              </a14:hiddenFill>
+            </a:ext>
+            <a:ext uri="{91240B29-F687-4F45-9708-019B960494DF}">
+              <a14:hiddenLine xmlns:a14="http://schemas.microsoft.com/office/drawing/2010/main" w="9525">
+                <a:solidFill>
+                  <a:schemeClr val="tx1"/>
+                </a:solidFill>
+                <a:miter lim="800000"/>
+                <a:headEnd/>
+                <a:tailEnd/>
+              </a14:hiddenLine>
+            </a:ext>
+            <a:ext uri="{AF507438-7753-43E0-B8FC-AC1667EBCBE1}">
+              <a14:hiddenEffects xmlns:a14="http://schemas.microsoft.com/office/drawing/2010/main">
+                <a:effectLst>
+                  <a:outerShdw dist="35921" dir="2700000" algn="ctr" rotWithShape="0">
+                    <a:schemeClr val="bg2"/>
+                  </a:outerShdw>
+                </a:effectLst>
+              </a14:hiddenEffects>
+            </a:ext>
+          </a:extLst>
+        </p:spPr>
+      </p:pic>
+      <p:pic>
+        <p:nvPicPr>
+          <p:cNvPr id="1028" name="Picture 4"/>
+          <p:cNvPicPr>
+            <a:picLocks noChangeAspect="1" noChangeArrowheads="1"/>
+          </p:cNvPicPr>
+          <p:nvPr/>
+        </p:nvPicPr>
+        <p:blipFill>
+          <a:blip r:embed="rId3" cstate="print">
+            <a:extLst>
+              <a:ext uri="{28A0092B-C50C-407E-A947-70E740481C1C}">
+                <a14:useLocalDpi xmlns:a14="http://schemas.microsoft.com/office/drawing/2010/main" val="0"/>
+              </a:ext>
+            </a:extLst>
+          </a:blip>
+          <a:srcRect/>
+          <a:stretch>
+            <a:fillRect/>
+          </a:stretch>
+        </p:blipFill>
+        <p:spPr bwMode="auto">
+          <a:xfrm>
+            <a:off x="211932" y="3948854"/>
+            <a:ext cx="5254530" cy="2515712"/>
+          </a:xfrm>
+          <a:prstGeom prst="rect">
+            <a:avLst/>
+          </a:prstGeom>
+          <a:noFill/>
+          <a:ln>
+            <a:noFill/>
+          </a:ln>
+          <a:effectLst/>
+          <a:extLst>
+            <a:ext uri="{909E8E84-426E-40DD-AFC4-6F175D3DCCD1}">
+              <a14:hiddenFill xmlns:a14="http://schemas.microsoft.com/office/drawing/2010/main">
+                <a:solidFill>
+                  <a:schemeClr val="accent1"/>
+                </a:solidFill>
+              </a14:hiddenFill>
+            </a:ext>
+            <a:ext uri="{91240B29-F687-4F45-9708-019B960494DF}">
+              <a14:hiddenLine xmlns:a14="http://schemas.microsoft.com/office/drawing/2010/main" w="9525">
+                <a:solidFill>
+                  <a:schemeClr val="tx1"/>
+                </a:solidFill>
+                <a:miter lim="800000"/>
+                <a:headEnd/>
+                <a:tailEnd/>
+              </a14:hiddenLine>
+            </a:ext>
+            <a:ext uri="{AF507438-7753-43E0-B8FC-AC1667EBCBE1}">
+              <a14:hiddenEffects xmlns:a14="http://schemas.microsoft.com/office/drawing/2010/main">
+                <a:effectLst>
+                  <a:outerShdw dist="35921" dir="2700000" algn="ctr" rotWithShape="0">
+                    <a:schemeClr val="bg2"/>
+                  </a:outerShdw>
+                </a:effectLst>
+              </a14:hiddenEffects>
+            </a:ext>
+          </a:extLst>
+        </p:spPr>
+      </p:pic>
+      <p:pic>
+        <p:nvPicPr>
+          <p:cNvPr id="1029" name="Picture 5"/>
+          <p:cNvPicPr>
+            <a:picLocks noChangeAspect="1" noChangeArrowheads="1"/>
+          </p:cNvPicPr>
+          <p:nvPr/>
+        </p:nvPicPr>
+        <p:blipFill>
+          <a:blip r:embed="rId4">
+            <a:extLst>
+              <a:ext uri="{28A0092B-C50C-407E-A947-70E740481C1C}">
+                <a14:useLocalDpi xmlns:a14="http://schemas.microsoft.com/office/drawing/2010/main" val="0"/>
+              </a:ext>
+            </a:extLst>
+          </a:blip>
+          <a:srcRect/>
+          <a:stretch>
+            <a:fillRect/>
+          </a:stretch>
+        </p:blipFill>
+        <p:spPr bwMode="auto">
+          <a:xfrm>
+            <a:off x="6085833" y="3456791"/>
+            <a:ext cx="4700516" cy="3268995"/>
+          </a:xfrm>
+          <a:prstGeom prst="rect">
+            <a:avLst/>
+          </a:prstGeom>
+          <a:noFill/>
+          <a:ln>
+            <a:noFill/>
+          </a:ln>
+          <a:effectLst/>
+          <a:extLst>
+            <a:ext uri="{909E8E84-426E-40DD-AFC4-6F175D3DCCD1}">
+              <a14:hiddenFill xmlns:a14="http://schemas.microsoft.com/office/drawing/2010/main">
+                <a:solidFill>
+                  <a:schemeClr val="accent1"/>
+                </a:solidFill>
+              </a14:hiddenFill>
+            </a:ext>
+            <a:ext uri="{91240B29-F687-4F45-9708-019B960494DF}">
+              <a14:hiddenLine xmlns:a14="http://schemas.microsoft.com/office/drawing/2010/main" w="9525">
+                <a:solidFill>
+                  <a:schemeClr val="tx1"/>
+                </a:solidFill>
+                <a:miter lim="800000"/>
+                <a:headEnd/>
+                <a:tailEnd/>
+              </a14:hiddenLine>
+            </a:ext>
+            <a:ext uri="{AF507438-7753-43E0-B8FC-AC1667EBCBE1}">
+              <a14:hiddenEffects xmlns:a14="http://schemas.microsoft.com/office/drawing/2010/main">
+                <a:effectLst>
+                  <a:outerShdw dist="35921" dir="2700000" algn="ctr" rotWithShape="0">
+                    <a:schemeClr val="bg2"/>
+                  </a:outerShdw>
+                </a:effectLst>
+              </a14:hiddenEffects>
+            </a:ext>
+          </a:extLst>
+        </p:spPr>
+      </p:pic>
+    </p:spTree>
+    <p:extLst>
+      <p:ext uri="{BB962C8B-B14F-4D97-AF65-F5344CB8AC3E}">
+        <p14:creationId xmlns:p14="http://schemas.microsoft.com/office/powerpoint/2010/main" val="255128161"/>
+      </p:ext>
+    </p:extLst>
+  </p:cSld>
+  <p:clrMapOvr>
+    <a:masterClrMapping/>
+  </p:clrMapOvr>
+</p:sld>
+</file>
+
+<file path=ppt/slides/slide12.xml><?xml version="1.0" encoding="utf-8"?>
+<p:sld xmlns:a="http://schemas.openxmlformats.org/drawingml/2006/main" xmlns:r="http://schemas.openxmlformats.org/officeDocument/2006/relationships" xmlns:p="http://schemas.openxmlformats.org/presentationml/2006/main">
+  <p:cSld>
+    <p:spTree>
+      <p:nvGrpSpPr>
+        <p:cNvPr id="1" name=""/>
+        <p:cNvGrpSpPr/>
+        <p:nvPr/>
+      </p:nvGrpSpPr>
+      <p:grpSpPr>
+        <a:xfrm>
+          <a:off x="0" y="0"/>
+          <a:ext cx="0" cy="0"/>
+          <a:chOff x="0" y="0"/>
+          <a:chExt cx="0" cy="0"/>
+        </a:xfrm>
+      </p:grpSpPr>
+      <p:sp>
+        <p:nvSpPr>
+          <p:cNvPr id="2" name="Title 1"/>
+          <p:cNvSpPr>
+            <a:spLocks noGrp="1"/>
+          </p:cNvSpPr>
+          <p:nvPr>
+            <p:ph type="title"/>
+          </p:nvPr>
+        </p:nvSpPr>
+        <p:spPr/>
+        <p:txBody>
+          <a:bodyPr/>
+          <a:lstStyle/>
+          <a:p>
+            <a:r>
+              <a:rPr lang="en-US" dirty="0" smtClean="0"/>
+              <a:t>UI Screenshots – Climax Prediction</a:t>
+            </a:r>
+            <a:endParaRPr lang="en-US" dirty="0"/>
+          </a:p>
+        </p:txBody>
+      </p:sp>
+      <p:pic>
+        <p:nvPicPr>
+          <p:cNvPr id="3074" name="Picture 2"/>
+          <p:cNvPicPr>
+            <a:picLocks noChangeAspect="1" noChangeArrowheads="1"/>
+          </p:cNvPicPr>
+          <p:nvPr/>
+        </p:nvPicPr>
+        <p:blipFill>
+          <a:blip r:embed="rId2">
+            <a:extLst>
+              <a:ext uri="{28A0092B-C50C-407E-A947-70E740481C1C}">
+                <a14:useLocalDpi xmlns:a14="http://schemas.microsoft.com/office/drawing/2010/main" val="0"/>
+              </a:ext>
+            </a:extLst>
+          </a:blip>
+          <a:srcRect/>
+          <a:stretch>
+            <a:fillRect/>
+          </a:stretch>
+        </p:blipFill>
+        <p:spPr bwMode="auto">
+          <a:xfrm>
+            <a:off x="95535" y="2284246"/>
+            <a:ext cx="5991366" cy="2881645"/>
+          </a:xfrm>
+          <a:prstGeom prst="rect">
+            <a:avLst/>
+          </a:prstGeom>
+          <a:noFill/>
+          <a:ln>
+            <a:noFill/>
+          </a:ln>
+          <a:effectLst/>
+          <a:extLst>
+            <a:ext uri="{909E8E84-426E-40DD-AFC4-6F175D3DCCD1}">
+              <a14:hiddenFill xmlns:a14="http://schemas.microsoft.com/office/drawing/2010/main">
+                <a:solidFill>
+                  <a:schemeClr val="accent1"/>
+                </a:solidFill>
+              </a14:hiddenFill>
+            </a:ext>
+            <a:ext uri="{91240B29-F687-4F45-9708-019B960494DF}">
+              <a14:hiddenLine xmlns:a14="http://schemas.microsoft.com/office/drawing/2010/main" w="9525">
+                <a:solidFill>
+                  <a:schemeClr val="tx1"/>
+                </a:solidFill>
+                <a:miter lim="800000"/>
+                <a:headEnd/>
+                <a:tailEnd/>
+              </a14:hiddenLine>
+            </a:ext>
+            <a:ext uri="{AF507438-7753-43E0-B8FC-AC1667EBCBE1}">
+              <a14:hiddenEffects xmlns:a14="http://schemas.microsoft.com/office/drawing/2010/main">
+                <a:effectLst>
+                  <a:outerShdw dist="35921" dir="2700000" algn="ctr" rotWithShape="0">
+                    <a:schemeClr val="bg2"/>
+                  </a:outerShdw>
+                </a:effectLst>
+              </a14:hiddenEffects>
+            </a:ext>
+          </a:extLst>
+        </p:spPr>
+      </p:pic>
+      <p:pic>
+        <p:nvPicPr>
+          <p:cNvPr id="3075" name="Picture 3"/>
+          <p:cNvPicPr>
+            <a:picLocks noChangeAspect="1" noChangeArrowheads="1"/>
+          </p:cNvPicPr>
+          <p:nvPr/>
+        </p:nvPicPr>
+        <p:blipFill>
+          <a:blip r:embed="rId3">
+            <a:extLst>
+              <a:ext uri="{28A0092B-C50C-407E-A947-70E740481C1C}">
+                <a14:useLocalDpi xmlns:a14="http://schemas.microsoft.com/office/drawing/2010/main" val="0"/>
+              </a:ext>
+            </a:extLst>
+          </a:blip>
+          <a:srcRect/>
+          <a:stretch>
+            <a:fillRect/>
+          </a:stretch>
+        </p:blipFill>
+        <p:spPr bwMode="auto">
+          <a:xfrm>
+            <a:off x="6086901" y="2284246"/>
+            <a:ext cx="6045529" cy="2955592"/>
+          </a:xfrm>
+          <a:prstGeom prst="rect">
+            <a:avLst/>
+          </a:prstGeom>
+          <a:noFill/>
+          <a:ln>
+            <a:noFill/>
+          </a:ln>
+          <a:effectLst/>
+          <a:extLst>
+            <a:ext uri="{909E8E84-426E-40DD-AFC4-6F175D3DCCD1}">
+              <a14:hiddenFill xmlns:a14="http://schemas.microsoft.com/office/drawing/2010/main">
+                <a:solidFill>
+                  <a:schemeClr val="accent1"/>
+                </a:solidFill>
+              </a14:hiddenFill>
+            </a:ext>
+            <a:ext uri="{91240B29-F687-4F45-9708-019B960494DF}">
+              <a14:hiddenLine xmlns:a14="http://schemas.microsoft.com/office/drawing/2010/main" w="9525">
+                <a:solidFill>
+                  <a:schemeClr val="tx1"/>
+                </a:solidFill>
+                <a:miter lim="800000"/>
+                <a:headEnd/>
+                <a:tailEnd/>
+              </a14:hiddenLine>
+            </a:ext>
+            <a:ext uri="{AF507438-7753-43E0-B8FC-AC1667EBCBE1}">
+              <a14:hiddenEffects xmlns:a14="http://schemas.microsoft.com/office/drawing/2010/main">
+                <a:effectLst>
+                  <a:outerShdw dist="35921" dir="2700000" algn="ctr" rotWithShape="0">
+                    <a:schemeClr val="bg2"/>
+                  </a:outerShdw>
+                </a:effectLst>
+              </a14:hiddenEffects>
+            </a:ext>
+          </a:extLst>
+        </p:spPr>
+      </p:pic>
+    </p:spTree>
+    <p:extLst>
+      <p:ext uri="{BB962C8B-B14F-4D97-AF65-F5344CB8AC3E}">
+        <p14:creationId xmlns:p14="http://schemas.microsoft.com/office/powerpoint/2010/main" val="1330733542"/>
+      </p:ext>
+    </p:extLst>
+  </p:cSld>
+  <p:clrMapOvr>
+    <a:masterClrMapping/>
+  </p:clrMapOvr>
+</p:sld>
+</file>
+
+<file path=ppt/slides/slide13.xml><?xml version="1.0" encoding="utf-8"?>
+<p:sld xmlns:a="http://schemas.openxmlformats.org/drawingml/2006/main" xmlns:r="http://schemas.openxmlformats.org/officeDocument/2006/relationships" xmlns:p="http://schemas.openxmlformats.org/presentationml/2006/main">
+  <p:cSld>
+    <p:spTree>
+      <p:nvGrpSpPr>
+        <p:cNvPr id="1" name=""/>
+        <p:cNvGrpSpPr/>
+        <p:nvPr/>
+      </p:nvGrpSpPr>
+      <p:grpSpPr>
+        <a:xfrm>
+          <a:off x="0" y="0"/>
+          <a:ext cx="0" cy="0"/>
+          <a:chOff x="0" y="0"/>
+          <a:chExt cx="0" cy="0"/>
+        </a:xfrm>
+      </p:grpSpPr>
+      <p:sp>
+        <p:nvSpPr>
+          <p:cNvPr id="2" name="Title 1"/>
+          <p:cNvSpPr>
+            <a:spLocks noGrp="1"/>
+          </p:cNvSpPr>
+          <p:nvPr>
+            <p:ph type="title"/>
+          </p:nvPr>
+        </p:nvSpPr>
+        <p:spPr/>
+        <p:txBody>
+          <a:bodyPr/>
+          <a:lstStyle/>
+          <a:p>
+            <a:r>
+              <a:rPr lang="en-US" dirty="0" smtClean="0"/>
+              <a:t>UI Screenshots – Genre Prediction </a:t>
+            </a:r>
+            <a:endParaRPr lang="en-US" dirty="0"/>
+          </a:p>
+        </p:txBody>
+      </p:sp>
+      <p:pic>
+        <p:nvPicPr>
+          <p:cNvPr id="4098" name="Picture 2"/>
+          <p:cNvPicPr>
+            <a:picLocks noChangeAspect="1" noChangeArrowheads="1"/>
+          </p:cNvPicPr>
+          <p:nvPr/>
+        </p:nvPicPr>
+        <p:blipFill>
+          <a:blip r:embed="rId2">
+            <a:extLst>
+              <a:ext uri="{28A0092B-C50C-407E-A947-70E740481C1C}">
+                <a14:useLocalDpi xmlns:a14="http://schemas.microsoft.com/office/drawing/2010/main" val="0"/>
+              </a:ext>
+            </a:extLst>
+          </a:blip>
+          <a:srcRect/>
+          <a:stretch>
+            <a:fillRect/>
+          </a:stretch>
+        </p:blipFill>
+        <p:spPr bwMode="auto">
+          <a:xfrm>
+            <a:off x="0" y="2456597"/>
+            <a:ext cx="6144884" cy="2964479"/>
+          </a:xfrm>
+          <a:prstGeom prst="rect">
+            <a:avLst/>
+          </a:prstGeom>
+          <a:noFill/>
+          <a:ln>
+            <a:noFill/>
+          </a:ln>
+          <a:effectLst/>
+          <a:extLst>
+            <a:ext uri="{909E8E84-426E-40DD-AFC4-6F175D3DCCD1}">
+              <a14:hiddenFill xmlns:a14="http://schemas.microsoft.com/office/drawing/2010/main">
+                <a:solidFill>
+                  <a:schemeClr val="accent1"/>
+                </a:solidFill>
+              </a14:hiddenFill>
+            </a:ext>
+            <a:ext uri="{91240B29-F687-4F45-9708-019B960494DF}">
+              <a14:hiddenLine xmlns:a14="http://schemas.microsoft.com/office/drawing/2010/main" w="9525">
+                <a:solidFill>
+                  <a:schemeClr val="tx1"/>
+                </a:solidFill>
+                <a:miter lim="800000"/>
+                <a:headEnd/>
+                <a:tailEnd/>
+              </a14:hiddenLine>
+            </a:ext>
+            <a:ext uri="{AF507438-7753-43E0-B8FC-AC1667EBCBE1}">
+              <a14:hiddenEffects xmlns:a14="http://schemas.microsoft.com/office/drawing/2010/main">
+                <a:effectLst>
+                  <a:outerShdw dist="35921" dir="2700000" algn="ctr" rotWithShape="0">
+                    <a:schemeClr val="bg2"/>
+                  </a:outerShdw>
+                </a:effectLst>
+              </a14:hiddenEffects>
+            </a:ext>
+          </a:extLst>
+        </p:spPr>
+      </p:pic>
+      <p:pic>
+        <p:nvPicPr>
+          <p:cNvPr id="4099" name="Picture 3"/>
+          <p:cNvPicPr>
+            <a:picLocks noChangeAspect="1" noChangeArrowheads="1"/>
+          </p:cNvPicPr>
+          <p:nvPr/>
+        </p:nvPicPr>
+        <p:blipFill>
+          <a:blip r:embed="rId3">
+            <a:extLst>
+              <a:ext uri="{28A0092B-C50C-407E-A947-70E740481C1C}">
+                <a14:useLocalDpi xmlns:a14="http://schemas.microsoft.com/office/drawing/2010/main" val="0"/>
+              </a:ext>
+            </a:extLst>
+          </a:blip>
+          <a:srcRect/>
+          <a:stretch>
+            <a:fillRect/>
+          </a:stretch>
+        </p:blipFill>
+        <p:spPr bwMode="auto">
+          <a:xfrm>
+            <a:off x="6291618" y="2565779"/>
+            <a:ext cx="5945990" cy="2855296"/>
+          </a:xfrm>
+          <a:prstGeom prst="rect">
+            <a:avLst/>
+          </a:prstGeom>
+          <a:noFill/>
+          <a:ln>
+            <a:noFill/>
+          </a:ln>
+          <a:effectLst/>
+          <a:extLst>
+            <a:ext uri="{909E8E84-426E-40DD-AFC4-6F175D3DCCD1}">
+              <a14:hiddenFill xmlns:a14="http://schemas.microsoft.com/office/drawing/2010/main">
+                <a:solidFill>
+                  <a:schemeClr val="accent1"/>
+                </a:solidFill>
+              </a14:hiddenFill>
+            </a:ext>
+            <a:ext uri="{91240B29-F687-4F45-9708-019B960494DF}">
+              <a14:hiddenLine xmlns:a14="http://schemas.microsoft.com/office/drawing/2010/main" w="9525">
+                <a:solidFill>
+                  <a:schemeClr val="tx1"/>
+                </a:solidFill>
+                <a:miter lim="800000"/>
+                <a:headEnd/>
+                <a:tailEnd/>
+              </a14:hiddenLine>
+            </a:ext>
+            <a:ext uri="{AF507438-7753-43E0-B8FC-AC1667EBCBE1}">
+              <a14:hiddenEffects xmlns:a14="http://schemas.microsoft.com/office/drawing/2010/main">
+                <a:effectLst>
+                  <a:outerShdw dist="35921" dir="2700000" algn="ctr" rotWithShape="0">
+                    <a:schemeClr val="bg2"/>
+                  </a:outerShdw>
+                </a:effectLst>
+              </a14:hiddenEffects>
+            </a:ext>
+          </a:extLst>
+        </p:spPr>
+      </p:pic>
+    </p:spTree>
+    <p:extLst>
+      <p:ext uri="{BB962C8B-B14F-4D97-AF65-F5344CB8AC3E}">
+        <p14:creationId xmlns:p14="http://schemas.microsoft.com/office/powerpoint/2010/main" val="2070556104"/>
+      </p:ext>
+    </p:extLst>
+  </p:cSld>
+  <p:clrMapOvr>
+    <a:masterClrMapping/>
+  </p:clrMapOvr>
+</p:sld>
+</file>
+
+<file path=ppt/slides/slide14.xml><?xml version="1.0" encoding="utf-8"?>
+<p:sld xmlns:a="http://schemas.openxmlformats.org/drawingml/2006/main" xmlns:r="http://schemas.openxmlformats.org/officeDocument/2006/relationships" xmlns:p="http://schemas.openxmlformats.org/presentationml/2006/main">
+  <p:cSld>
+    <p:spTree>
+      <p:nvGrpSpPr>
+        <p:cNvPr id="1" name=""/>
+        <p:cNvGrpSpPr/>
+        <p:nvPr/>
+      </p:nvGrpSpPr>
+      <p:grpSpPr>
+        <a:xfrm>
+          <a:off x="0" y="0"/>
+          <a:ext cx="0" cy="0"/>
+          <a:chOff x="0" y="0"/>
+          <a:chExt cx="0" cy="0"/>
+        </a:xfrm>
+      </p:grpSpPr>
+      <p:sp>
+        <p:nvSpPr>
+          <p:cNvPr id="2" name="Title 1"/>
+          <p:cNvSpPr>
+            <a:spLocks noGrp="1"/>
+          </p:cNvSpPr>
+          <p:nvPr>
+            <p:ph type="title"/>
+          </p:nvPr>
+        </p:nvSpPr>
+        <p:spPr/>
+        <p:txBody>
+          <a:bodyPr/>
+          <a:lstStyle/>
+          <a:p>
+            <a:r>
+              <a:rPr lang="en-US" dirty="0" smtClean="0"/>
+              <a:t>UI Screenshots – Character  Analysis</a:t>
+            </a:r>
+            <a:endParaRPr lang="en-US" dirty="0"/>
+          </a:p>
+        </p:txBody>
+      </p:sp>
+      <p:pic>
+        <p:nvPicPr>
+          <p:cNvPr id="1026" name="Picture 2"/>
+          <p:cNvPicPr>
+            <a:picLocks noChangeAspect="1" noChangeArrowheads="1"/>
+          </p:cNvPicPr>
+          <p:nvPr/>
+        </p:nvPicPr>
+        <p:blipFill>
+          <a:blip r:embed="rId2" cstate="print">
+            <a:extLst>
+              <a:ext uri="{28A0092B-C50C-407E-A947-70E740481C1C}">
+                <a14:useLocalDpi xmlns:a14="http://schemas.microsoft.com/office/drawing/2010/main" val="0"/>
+              </a:ext>
+            </a:extLst>
+          </a:blip>
+          <a:srcRect/>
+          <a:stretch>
+            <a:fillRect/>
+          </a:stretch>
+        </p:blipFill>
+        <p:spPr bwMode="auto">
+          <a:xfrm>
+            <a:off x="477664" y="1481678"/>
+            <a:ext cx="5186157" cy="2490570"/>
+          </a:xfrm>
+          <a:prstGeom prst="rect">
+            <a:avLst/>
+          </a:prstGeom>
+          <a:noFill/>
+          <a:ln>
+            <a:noFill/>
+          </a:ln>
+          <a:effectLst/>
+          <a:extLst>
+            <a:ext uri="{909E8E84-426E-40DD-AFC4-6F175D3DCCD1}">
+              <a14:hiddenFill xmlns:a14="http://schemas.microsoft.com/office/drawing/2010/main">
+                <a:solidFill>
+                  <a:schemeClr val="accent1"/>
+                </a:solidFill>
+              </a14:hiddenFill>
+            </a:ext>
+            <a:ext uri="{91240B29-F687-4F45-9708-019B960494DF}">
+              <a14:hiddenLine xmlns:a14="http://schemas.microsoft.com/office/drawing/2010/main" w="9525">
+                <a:solidFill>
+                  <a:schemeClr val="tx1"/>
+                </a:solidFill>
+                <a:miter lim="800000"/>
+                <a:headEnd/>
+                <a:tailEnd/>
+              </a14:hiddenLine>
+            </a:ext>
+            <a:ext uri="{AF507438-7753-43E0-B8FC-AC1667EBCBE1}">
+              <a14:hiddenEffects xmlns:a14="http://schemas.microsoft.com/office/drawing/2010/main">
+                <a:effectLst>
+                  <a:outerShdw dist="35921" dir="2700000" algn="ctr" rotWithShape="0">
+                    <a:schemeClr val="bg2"/>
+                  </a:outerShdw>
+                </a:effectLst>
+              </a14:hiddenEffects>
+            </a:ext>
+          </a:extLst>
+        </p:spPr>
+      </p:pic>
+      <p:pic>
+        <p:nvPicPr>
+          <p:cNvPr id="2050" name="Picture 2"/>
+          <p:cNvPicPr>
+            <a:picLocks noChangeAspect="1" noChangeArrowheads="1"/>
+          </p:cNvPicPr>
+          <p:nvPr/>
+        </p:nvPicPr>
+        <p:blipFill>
+          <a:blip r:embed="rId3" cstate="print">
+            <a:extLst>
+              <a:ext uri="{28A0092B-C50C-407E-A947-70E740481C1C}">
+                <a14:useLocalDpi xmlns:a14="http://schemas.microsoft.com/office/drawing/2010/main" val="0"/>
+              </a:ext>
+            </a:extLst>
+          </a:blip>
+          <a:srcRect/>
+          <a:stretch>
+            <a:fillRect/>
+          </a:stretch>
+        </p:blipFill>
+        <p:spPr bwMode="auto">
+          <a:xfrm>
+            <a:off x="6155359" y="1481678"/>
+            <a:ext cx="5308761" cy="2553881"/>
+          </a:xfrm>
+          <a:prstGeom prst="rect">
+            <a:avLst/>
+          </a:prstGeom>
+          <a:noFill/>
+          <a:ln>
+            <a:noFill/>
+          </a:ln>
+          <a:effectLst/>
+          <a:extLst>
+            <a:ext uri="{909E8E84-426E-40DD-AFC4-6F175D3DCCD1}">
+              <a14:hiddenFill xmlns:a14="http://schemas.microsoft.com/office/drawing/2010/main">
+                <a:solidFill>
+                  <a:schemeClr val="accent1"/>
+                </a:solidFill>
+              </a14:hiddenFill>
+            </a:ext>
+            <a:ext uri="{91240B29-F687-4F45-9708-019B960494DF}">
+              <a14:hiddenLine xmlns:a14="http://schemas.microsoft.com/office/drawing/2010/main" w="9525">
+                <a:solidFill>
+                  <a:schemeClr val="tx1"/>
+                </a:solidFill>
+                <a:miter lim="800000"/>
+                <a:headEnd/>
+                <a:tailEnd/>
+              </a14:hiddenLine>
+            </a:ext>
+            <a:ext uri="{AF507438-7753-43E0-B8FC-AC1667EBCBE1}">
+              <a14:hiddenEffects xmlns:a14="http://schemas.microsoft.com/office/drawing/2010/main">
+                <a:effectLst>
+                  <a:outerShdw dist="35921" dir="2700000" algn="ctr" rotWithShape="0">
+                    <a:schemeClr val="bg2"/>
+                  </a:outerShdw>
+                </a:effectLst>
+              </a14:hiddenEffects>
+            </a:ext>
+          </a:extLst>
+        </p:spPr>
+      </p:pic>
+      <p:pic>
+        <p:nvPicPr>
+          <p:cNvPr id="2051" name="Picture 3"/>
+          <p:cNvPicPr>
+            <a:picLocks noChangeAspect="1" noChangeArrowheads="1"/>
+          </p:cNvPicPr>
+          <p:nvPr/>
+        </p:nvPicPr>
+        <p:blipFill>
+          <a:blip r:embed="rId4">
+            <a:extLst>
+              <a:ext uri="{28A0092B-C50C-407E-A947-70E740481C1C}">
+                <a14:useLocalDpi xmlns:a14="http://schemas.microsoft.com/office/drawing/2010/main" val="0"/>
+              </a:ext>
+            </a:extLst>
+          </a:blip>
+          <a:srcRect/>
+          <a:stretch>
+            <a:fillRect/>
+          </a:stretch>
+        </p:blipFill>
+        <p:spPr bwMode="auto">
+          <a:xfrm>
+            <a:off x="477664" y="4057452"/>
+            <a:ext cx="5186157" cy="2828453"/>
+          </a:xfrm>
+          <a:prstGeom prst="rect">
+            <a:avLst/>
+          </a:prstGeom>
+          <a:noFill/>
+          <a:ln>
+            <a:noFill/>
+          </a:ln>
+          <a:effectLst/>
+          <a:extLst>
+            <a:ext uri="{909E8E84-426E-40DD-AFC4-6F175D3DCCD1}">
+              <a14:hiddenFill xmlns:a14="http://schemas.microsoft.com/office/drawing/2010/main">
+                <a:solidFill>
+                  <a:schemeClr val="accent1"/>
+                </a:solidFill>
+              </a14:hiddenFill>
+            </a:ext>
+            <a:ext uri="{91240B29-F687-4F45-9708-019B960494DF}">
+              <a14:hiddenLine xmlns:a14="http://schemas.microsoft.com/office/drawing/2010/main" w="9525">
+                <a:solidFill>
+                  <a:schemeClr val="tx1"/>
+                </a:solidFill>
+                <a:miter lim="800000"/>
+                <a:headEnd/>
+                <a:tailEnd/>
+              </a14:hiddenLine>
+            </a:ext>
+            <a:ext uri="{AF507438-7753-43E0-B8FC-AC1667EBCBE1}">
+              <a14:hiddenEffects xmlns:a14="http://schemas.microsoft.com/office/drawing/2010/main">
+                <a:effectLst>
+                  <a:outerShdw dist="35921" dir="2700000" algn="ctr" rotWithShape="0">
+                    <a:schemeClr val="bg2"/>
+                  </a:outerShdw>
+                </a:effectLst>
+              </a14:hiddenEffects>
+            </a:ext>
+          </a:extLst>
+        </p:spPr>
+      </p:pic>
+      <p:pic>
+        <p:nvPicPr>
+          <p:cNvPr id="2052" name="Picture 4"/>
+          <p:cNvPicPr>
+            <a:picLocks noChangeAspect="1" noChangeArrowheads="1"/>
+          </p:cNvPicPr>
+          <p:nvPr/>
+        </p:nvPicPr>
+        <p:blipFill>
+          <a:blip r:embed="rId5">
+            <a:extLst>
+              <a:ext uri="{28A0092B-C50C-407E-A947-70E740481C1C}">
+                <a14:useLocalDpi xmlns:a14="http://schemas.microsoft.com/office/drawing/2010/main" val="0"/>
+              </a:ext>
+            </a:extLst>
+          </a:blip>
+          <a:srcRect/>
+          <a:stretch>
+            <a:fillRect/>
+          </a:stretch>
+        </p:blipFill>
+        <p:spPr bwMode="auto">
+          <a:xfrm>
+            <a:off x="6155358" y="4180468"/>
+            <a:ext cx="5308762" cy="2677532"/>
+          </a:xfrm>
+          <a:prstGeom prst="rect">
+            <a:avLst/>
+          </a:prstGeom>
+          <a:noFill/>
+          <a:ln>
+            <a:noFill/>
+          </a:ln>
+          <a:effectLst/>
+          <a:extLst>
+            <a:ext uri="{909E8E84-426E-40DD-AFC4-6F175D3DCCD1}">
+              <a14:hiddenFill xmlns:a14="http://schemas.microsoft.com/office/drawing/2010/main">
+                <a:solidFill>
+                  <a:schemeClr val="accent1"/>
+                </a:solidFill>
+              </a14:hiddenFill>
+            </a:ext>
+            <a:ext uri="{91240B29-F687-4F45-9708-019B960494DF}">
+              <a14:hiddenLine xmlns:a14="http://schemas.microsoft.com/office/drawing/2010/main" w="9525">
+                <a:solidFill>
+                  <a:schemeClr val="tx1"/>
+                </a:solidFill>
+                <a:miter lim="800000"/>
+                <a:headEnd/>
+                <a:tailEnd/>
+              </a14:hiddenLine>
+            </a:ext>
+            <a:ext uri="{AF507438-7753-43E0-B8FC-AC1667EBCBE1}">
+              <a14:hiddenEffects xmlns:a14="http://schemas.microsoft.com/office/drawing/2010/main">
+                <a:effectLst>
+                  <a:outerShdw dist="35921" dir="2700000" algn="ctr" rotWithShape="0">
+                    <a:schemeClr val="bg2"/>
+                  </a:outerShdw>
+                </a:effectLst>
+              </a14:hiddenEffects>
+            </a:ext>
+          </a:extLst>
+        </p:spPr>
+      </p:pic>
+    </p:spTree>
+    <p:extLst>
+      <p:ext uri="{BB962C8B-B14F-4D97-AF65-F5344CB8AC3E}">
+        <p14:creationId xmlns:p14="http://schemas.microsoft.com/office/powerpoint/2010/main" val="2068395820"/>
+      </p:ext>
+    </p:extLst>
+  </p:cSld>
+  <p:clrMapOvr>
+    <a:masterClrMapping/>
+  </p:clrMapOvr>
+</p:sld>
+</file>
+
+<file path=ppt/slides/slide15.xml><?xml version="1.0" encoding="utf-8"?>
+<p:sld xmlns:a="http://schemas.openxmlformats.org/drawingml/2006/main" xmlns:r="http://schemas.openxmlformats.org/officeDocument/2006/relationships" xmlns:p="http://schemas.openxmlformats.org/presentationml/2006/main">
+  <p:cSld>
+    <p:spTree>
+      <p:nvGrpSpPr>
+        <p:cNvPr id="1" name=""/>
+        <p:cNvGrpSpPr/>
+        <p:nvPr/>
+      </p:nvGrpSpPr>
+      <p:grpSpPr>
+        <a:xfrm>
+          <a:off x="0" y="0"/>
+          <a:ext cx="0" cy="0"/>
+          <a:chOff x="0" y="0"/>
+          <a:chExt cx="0" cy="0"/>
+        </a:xfrm>
+      </p:grpSpPr>
+      <p:sp>
+        <p:nvSpPr>
+          <p:cNvPr id="2" name="Title 1"/>
+          <p:cNvSpPr>
+            <a:spLocks noGrp="1"/>
+          </p:cNvSpPr>
+          <p:nvPr>
+            <p:ph type="title"/>
+          </p:nvPr>
+        </p:nvSpPr>
         <p:spPr>
           <a:xfrm>
             <a:off x="3827059" y="2453233"/>
@@ -4498,7 +5546,7 @@
   <a:extraClrSchemeLst/>
   <a:extLst>
     <a:ext uri="{05A4C25C-085E-4340-85A3-A5531E510DB2}">
-      <thm15:themeFamily xmlns:thm15="http://schemas.microsoft.com/office/thememl/2012/main" xmlns="" name="Office Theme" id="{62F939B6-93AF-4DB8-9C6B-D6C7DFDC589F}" vid="{4A3C46E8-61CC-4603-A589-7422A47A8E4A}"/>
+      <thm15:themeFamily xmlns="" xmlns:thm15="http://schemas.microsoft.com/office/thememl/2012/main" name="Office Theme" id="{62F939B6-93AF-4DB8-9C6B-D6C7DFDC589F}" vid="{4A3C46E8-61CC-4603-A589-7422A47A8E4A}"/>
     </a:ext>
   </a:extLst>
 </a:theme>
